--- a/Presentations/02a - Reproducibility and Best Practices.pptx
+++ b/Presentations/02a - Reproducibility and Best Practices.pptx
@@ -13888,6 +13888,71 @@
           </a:p>
         </p:txBody>
       </p:sp>
+      <p:sp>
+        <p:nvSpPr>
+          <p:cNvPr id="3" name="TextBox 2">
+            <a:extLst>
+              <a:ext uri="{FF2B5EF4-FFF2-40B4-BE49-F238E27FC236}">
+                <a16:creationId xmlns:a16="http://schemas.microsoft.com/office/drawing/2014/main" id="{0553303E-7B5E-8644-FDC7-BA22C4410EE7}"/>
+              </a:ext>
+            </a:extLst>
+          </p:cNvPr>
+          <p:cNvSpPr txBox="1"/>
+          <p:nvPr/>
+        </p:nvSpPr>
+        <p:spPr>
+          <a:xfrm rot="16200000">
+            <a:off x="-1847625" y="3298195"/>
+            <a:ext cx="3956859" cy="261610"/>
+          </a:xfrm>
+          <a:prstGeom prst="rect">
+            <a:avLst/>
+          </a:prstGeom>
+          <a:noFill/>
+        </p:spPr>
+        <p:txBody>
+          <a:bodyPr wrap="square">
+            <a:spAutoFit/>
+          </a:bodyPr>
+          <a:lstStyle>
+            <a:defPPr>
+              <a:defRPr lang="en-CH"/>
+            </a:defPPr>
+            <a:lvl1pPr algn="ctr">
+              <a:spcBef>
+                <a:spcPts val="0"/>
+              </a:spcBef>
+              <a:defRPr sz="1050">
+                <a:solidFill>
+                  <a:schemeClr val="bg2">
+                    <a:lumMod val="75000"/>
+                  </a:schemeClr>
+                </a:solidFill>
+                <a:latin typeface="Arial" panose="020B0604020202020204" pitchFamily="34" charset="0"/>
+              </a:defRPr>
+            </a:lvl1pPr>
+          </a:lstStyle>
+          <a:p>
+            <a:r>
+              <a:rPr lang="en-GB" dirty="0"/>
+              <a:t>© </a:t>
+            </a:r>
+            <a:r>
+              <a:rPr lang="en-GB" dirty="0" err="1"/>
+              <a:t>Dr.</a:t>
+            </a:r>
+            <a:r>
+              <a:rPr lang="en-GB" dirty="0"/>
+              <a:t> Umberto Michelucci - </a:t>
+            </a:r>
+            <a:r>
+              <a:rPr lang="en-GB" dirty="0" err="1"/>
+              <a:t>umberto.michelucci@toelt.ai</a:t>
+            </a:r>
+            <a:endParaRPr lang="en-GB" dirty="0"/>
+          </a:p>
+        </p:txBody>
+      </p:sp>
     </p:spTree>
     <p:extLst>
       <p:ext uri="{BB962C8B-B14F-4D97-AF65-F5344CB8AC3E}">
@@ -14031,6 +14096,71 @@
           </a:p>
         </p:txBody>
       </p:sp>
+      <p:sp>
+        <p:nvSpPr>
+          <p:cNvPr id="4" name="TextBox 3">
+            <a:extLst>
+              <a:ext uri="{FF2B5EF4-FFF2-40B4-BE49-F238E27FC236}">
+                <a16:creationId xmlns:a16="http://schemas.microsoft.com/office/drawing/2014/main" id="{455AF77E-D2BF-8F55-DBBC-D73B4387A9DE}"/>
+              </a:ext>
+            </a:extLst>
+          </p:cNvPr>
+          <p:cNvSpPr txBox="1"/>
+          <p:nvPr/>
+        </p:nvSpPr>
+        <p:spPr>
+          <a:xfrm rot="16200000">
+            <a:off x="-1847625" y="3298195"/>
+            <a:ext cx="3956859" cy="261610"/>
+          </a:xfrm>
+          <a:prstGeom prst="rect">
+            <a:avLst/>
+          </a:prstGeom>
+          <a:noFill/>
+        </p:spPr>
+        <p:txBody>
+          <a:bodyPr wrap="square">
+            <a:spAutoFit/>
+          </a:bodyPr>
+          <a:lstStyle>
+            <a:defPPr>
+              <a:defRPr lang="en-CH"/>
+            </a:defPPr>
+            <a:lvl1pPr algn="ctr">
+              <a:spcBef>
+                <a:spcPts val="0"/>
+              </a:spcBef>
+              <a:defRPr sz="1050">
+                <a:solidFill>
+                  <a:schemeClr val="bg2">
+                    <a:lumMod val="75000"/>
+                  </a:schemeClr>
+                </a:solidFill>
+                <a:latin typeface="Arial" panose="020B0604020202020204" pitchFamily="34" charset="0"/>
+              </a:defRPr>
+            </a:lvl1pPr>
+          </a:lstStyle>
+          <a:p>
+            <a:r>
+              <a:rPr lang="en-GB" dirty="0"/>
+              <a:t>© </a:t>
+            </a:r>
+            <a:r>
+              <a:rPr lang="en-GB" dirty="0" err="1"/>
+              <a:t>Dr.</a:t>
+            </a:r>
+            <a:r>
+              <a:rPr lang="en-GB" dirty="0"/>
+              <a:t> Umberto Michelucci - </a:t>
+            </a:r>
+            <a:r>
+              <a:rPr lang="en-GB" dirty="0" err="1"/>
+              <a:t>umberto.michelucci@toelt.ai</a:t>
+            </a:r>
+            <a:endParaRPr lang="en-GB" dirty="0"/>
+          </a:p>
+        </p:txBody>
+      </p:sp>
     </p:spTree>
     <p:extLst>
       <p:ext uri="{BB962C8B-B14F-4D97-AF65-F5344CB8AC3E}">
@@ -14195,6 +14325,71 @@
               </a:rPr>
               <a:t>All the steps must be clear and understandable. Another researcher must be able to re-implement (or understand) everything you did (every single step) from scratch.</a:t>
             </a:r>
+          </a:p>
+        </p:txBody>
+      </p:sp>
+      <p:sp>
+        <p:nvSpPr>
+          <p:cNvPr id="4" name="TextBox 3">
+            <a:extLst>
+              <a:ext uri="{FF2B5EF4-FFF2-40B4-BE49-F238E27FC236}">
+                <a16:creationId xmlns:a16="http://schemas.microsoft.com/office/drawing/2014/main" id="{7F76F088-F0C8-A995-57B7-8B6F4256423D}"/>
+              </a:ext>
+            </a:extLst>
+          </p:cNvPr>
+          <p:cNvSpPr txBox="1"/>
+          <p:nvPr/>
+        </p:nvSpPr>
+        <p:spPr>
+          <a:xfrm rot="16200000">
+            <a:off x="-1847625" y="3298195"/>
+            <a:ext cx="3956859" cy="261610"/>
+          </a:xfrm>
+          <a:prstGeom prst="rect">
+            <a:avLst/>
+          </a:prstGeom>
+          <a:noFill/>
+        </p:spPr>
+        <p:txBody>
+          <a:bodyPr wrap="square">
+            <a:spAutoFit/>
+          </a:bodyPr>
+          <a:lstStyle>
+            <a:defPPr>
+              <a:defRPr lang="en-CH"/>
+            </a:defPPr>
+            <a:lvl1pPr algn="ctr">
+              <a:spcBef>
+                <a:spcPts val="0"/>
+              </a:spcBef>
+              <a:defRPr sz="1050">
+                <a:solidFill>
+                  <a:schemeClr val="bg2">
+                    <a:lumMod val="75000"/>
+                  </a:schemeClr>
+                </a:solidFill>
+                <a:latin typeface="Arial" panose="020B0604020202020204" pitchFamily="34" charset="0"/>
+              </a:defRPr>
+            </a:lvl1pPr>
+          </a:lstStyle>
+          <a:p>
+            <a:r>
+              <a:rPr lang="en-GB" dirty="0"/>
+              <a:t>© </a:t>
+            </a:r>
+            <a:r>
+              <a:rPr lang="en-GB" dirty="0" err="1"/>
+              <a:t>Dr.</a:t>
+            </a:r>
+            <a:r>
+              <a:rPr lang="en-GB" dirty="0"/>
+              <a:t> Umberto Michelucci - </a:t>
+            </a:r>
+            <a:r>
+              <a:rPr lang="en-GB" dirty="0" err="1"/>
+              <a:t>umberto.michelucci@toelt.ai</a:t>
+            </a:r>
+            <a:endParaRPr lang="en-GB" dirty="0"/>
           </a:p>
         </p:txBody>
       </p:sp>
@@ -14256,6 +14451,71 @@
           </a:p>
         </p:txBody>
       </p:sp>
+      <p:sp>
+        <p:nvSpPr>
+          <p:cNvPr id="3" name="TextBox 2">
+            <a:extLst>
+              <a:ext uri="{FF2B5EF4-FFF2-40B4-BE49-F238E27FC236}">
+                <a16:creationId xmlns:a16="http://schemas.microsoft.com/office/drawing/2014/main" id="{FA75C2A4-5C04-1E4D-E65F-7240A1236965}"/>
+              </a:ext>
+            </a:extLst>
+          </p:cNvPr>
+          <p:cNvSpPr txBox="1"/>
+          <p:nvPr/>
+        </p:nvSpPr>
+        <p:spPr>
+          <a:xfrm rot="16200000">
+            <a:off x="-1847625" y="3298195"/>
+            <a:ext cx="3956859" cy="261610"/>
+          </a:xfrm>
+          <a:prstGeom prst="rect">
+            <a:avLst/>
+          </a:prstGeom>
+          <a:noFill/>
+        </p:spPr>
+        <p:txBody>
+          <a:bodyPr wrap="square">
+            <a:spAutoFit/>
+          </a:bodyPr>
+          <a:lstStyle>
+            <a:defPPr>
+              <a:defRPr lang="en-CH"/>
+            </a:defPPr>
+            <a:lvl1pPr algn="ctr">
+              <a:spcBef>
+                <a:spcPts val="0"/>
+              </a:spcBef>
+              <a:defRPr sz="1050">
+                <a:solidFill>
+                  <a:schemeClr val="bg2">
+                    <a:lumMod val="75000"/>
+                  </a:schemeClr>
+                </a:solidFill>
+                <a:latin typeface="Arial" panose="020B0604020202020204" pitchFamily="34" charset="0"/>
+              </a:defRPr>
+            </a:lvl1pPr>
+          </a:lstStyle>
+          <a:p>
+            <a:r>
+              <a:rPr lang="en-GB" dirty="0"/>
+              <a:t>© </a:t>
+            </a:r>
+            <a:r>
+              <a:rPr lang="en-GB" dirty="0" err="1"/>
+              <a:t>Dr.</a:t>
+            </a:r>
+            <a:r>
+              <a:rPr lang="en-GB" dirty="0"/>
+              <a:t> Umberto Michelucci - </a:t>
+            </a:r>
+            <a:r>
+              <a:rPr lang="en-GB" dirty="0" err="1"/>
+              <a:t>umberto.michelucci@toelt.ai</a:t>
+            </a:r>
+            <a:endParaRPr lang="en-GB" dirty="0"/>
+          </a:p>
+        </p:txBody>
+      </p:sp>
     </p:spTree>
     <p:extLst>
       <p:ext uri="{BB962C8B-B14F-4D97-AF65-F5344CB8AC3E}">
@@ -14343,6 +14603,71 @@
           </a:graphicData>
         </a:graphic>
       </p:graphicFrame>
+      <p:sp>
+        <p:nvSpPr>
+          <p:cNvPr id="3" name="TextBox 2">
+            <a:extLst>
+              <a:ext uri="{FF2B5EF4-FFF2-40B4-BE49-F238E27FC236}">
+                <a16:creationId xmlns:a16="http://schemas.microsoft.com/office/drawing/2014/main" id="{7D78D0E7-D0B4-BBC5-B1A8-A7D3A29125C6}"/>
+              </a:ext>
+            </a:extLst>
+          </p:cNvPr>
+          <p:cNvSpPr txBox="1"/>
+          <p:nvPr/>
+        </p:nvSpPr>
+        <p:spPr>
+          <a:xfrm rot="16200000">
+            <a:off x="-1847625" y="3298195"/>
+            <a:ext cx="3956859" cy="261610"/>
+          </a:xfrm>
+          <a:prstGeom prst="rect">
+            <a:avLst/>
+          </a:prstGeom>
+          <a:noFill/>
+        </p:spPr>
+        <p:txBody>
+          <a:bodyPr wrap="square">
+            <a:spAutoFit/>
+          </a:bodyPr>
+          <a:lstStyle>
+            <a:defPPr>
+              <a:defRPr lang="en-CH"/>
+            </a:defPPr>
+            <a:lvl1pPr algn="ctr">
+              <a:spcBef>
+                <a:spcPts val="0"/>
+              </a:spcBef>
+              <a:defRPr sz="1050">
+                <a:solidFill>
+                  <a:schemeClr val="bg2">
+                    <a:lumMod val="75000"/>
+                  </a:schemeClr>
+                </a:solidFill>
+                <a:latin typeface="Arial" panose="020B0604020202020204" pitchFamily="34" charset="0"/>
+              </a:defRPr>
+            </a:lvl1pPr>
+          </a:lstStyle>
+          <a:p>
+            <a:r>
+              <a:rPr lang="en-GB" dirty="0"/>
+              <a:t>© </a:t>
+            </a:r>
+            <a:r>
+              <a:rPr lang="en-GB" dirty="0" err="1"/>
+              <a:t>Dr.</a:t>
+            </a:r>
+            <a:r>
+              <a:rPr lang="en-GB" dirty="0"/>
+              <a:t> Umberto Michelucci - </a:t>
+            </a:r>
+            <a:r>
+              <a:rPr lang="en-GB" dirty="0" err="1"/>
+              <a:t>umberto.michelucci@toelt.ai</a:t>
+            </a:r>
+            <a:endParaRPr lang="en-GB" dirty="0"/>
+          </a:p>
+        </p:txBody>
+      </p:sp>
     </p:spTree>
     <p:extLst>
       <p:ext uri="{BB962C8B-B14F-4D97-AF65-F5344CB8AC3E}">
@@ -14621,6 +14946,71 @@
           </a:p>
         </p:txBody>
       </p:sp>
+      <p:sp>
+        <p:nvSpPr>
+          <p:cNvPr id="7" name="TextBox 6">
+            <a:extLst>
+              <a:ext uri="{FF2B5EF4-FFF2-40B4-BE49-F238E27FC236}">
+                <a16:creationId xmlns:a16="http://schemas.microsoft.com/office/drawing/2014/main" id="{B2F62F02-3E07-6171-BAF4-1F509027DB10}"/>
+              </a:ext>
+            </a:extLst>
+          </p:cNvPr>
+          <p:cNvSpPr txBox="1"/>
+          <p:nvPr/>
+        </p:nvSpPr>
+        <p:spPr>
+          <a:xfrm rot="16200000">
+            <a:off x="-1847625" y="3298195"/>
+            <a:ext cx="3956859" cy="261610"/>
+          </a:xfrm>
+          <a:prstGeom prst="rect">
+            <a:avLst/>
+          </a:prstGeom>
+          <a:noFill/>
+        </p:spPr>
+        <p:txBody>
+          <a:bodyPr wrap="square">
+            <a:spAutoFit/>
+          </a:bodyPr>
+          <a:lstStyle>
+            <a:defPPr>
+              <a:defRPr lang="en-CH"/>
+            </a:defPPr>
+            <a:lvl1pPr algn="ctr">
+              <a:spcBef>
+                <a:spcPts val="0"/>
+              </a:spcBef>
+              <a:defRPr sz="1050">
+                <a:solidFill>
+                  <a:schemeClr val="bg2">
+                    <a:lumMod val="75000"/>
+                  </a:schemeClr>
+                </a:solidFill>
+                <a:latin typeface="Arial" panose="020B0604020202020204" pitchFamily="34" charset="0"/>
+              </a:defRPr>
+            </a:lvl1pPr>
+          </a:lstStyle>
+          <a:p>
+            <a:r>
+              <a:rPr lang="en-GB" dirty="0"/>
+              <a:t>© </a:t>
+            </a:r>
+            <a:r>
+              <a:rPr lang="en-GB" dirty="0" err="1"/>
+              <a:t>Dr.</a:t>
+            </a:r>
+            <a:r>
+              <a:rPr lang="en-GB" dirty="0"/>
+              <a:t> Umberto Michelucci - </a:t>
+            </a:r>
+            <a:r>
+              <a:rPr lang="en-GB" dirty="0" err="1"/>
+              <a:t>umberto.michelucci@toelt.ai</a:t>
+            </a:r>
+            <a:endParaRPr lang="en-GB" dirty="0"/>
+          </a:p>
+        </p:txBody>
+      </p:sp>
     </p:spTree>
     <p:extLst>
       <p:ext uri="{BB962C8B-B14F-4D97-AF65-F5344CB8AC3E}">
@@ -14916,6 +15306,71 @@
           </a:p>
         </p:txBody>
       </p:sp>
+      <p:sp>
+        <p:nvSpPr>
+          <p:cNvPr id="6" name="TextBox 5">
+            <a:extLst>
+              <a:ext uri="{FF2B5EF4-FFF2-40B4-BE49-F238E27FC236}">
+                <a16:creationId xmlns:a16="http://schemas.microsoft.com/office/drawing/2014/main" id="{0F28E086-057E-05BB-1640-6FB1AE873D7C}"/>
+              </a:ext>
+            </a:extLst>
+          </p:cNvPr>
+          <p:cNvSpPr txBox="1"/>
+          <p:nvPr/>
+        </p:nvSpPr>
+        <p:spPr>
+          <a:xfrm rot="16200000">
+            <a:off x="-1847625" y="3298195"/>
+            <a:ext cx="3956859" cy="261610"/>
+          </a:xfrm>
+          <a:prstGeom prst="rect">
+            <a:avLst/>
+          </a:prstGeom>
+          <a:noFill/>
+        </p:spPr>
+        <p:txBody>
+          <a:bodyPr wrap="square">
+            <a:spAutoFit/>
+          </a:bodyPr>
+          <a:lstStyle>
+            <a:defPPr>
+              <a:defRPr lang="en-CH"/>
+            </a:defPPr>
+            <a:lvl1pPr algn="ctr">
+              <a:spcBef>
+                <a:spcPts val="0"/>
+              </a:spcBef>
+              <a:defRPr sz="1050">
+                <a:solidFill>
+                  <a:schemeClr val="bg2">
+                    <a:lumMod val="75000"/>
+                  </a:schemeClr>
+                </a:solidFill>
+                <a:latin typeface="Arial" panose="020B0604020202020204" pitchFamily="34" charset="0"/>
+              </a:defRPr>
+            </a:lvl1pPr>
+          </a:lstStyle>
+          <a:p>
+            <a:r>
+              <a:rPr lang="en-GB" dirty="0"/>
+              <a:t>© </a:t>
+            </a:r>
+            <a:r>
+              <a:rPr lang="en-GB" dirty="0" err="1"/>
+              <a:t>Dr.</a:t>
+            </a:r>
+            <a:r>
+              <a:rPr lang="en-GB" dirty="0"/>
+              <a:t> Umberto Michelucci - </a:t>
+            </a:r>
+            <a:r>
+              <a:rPr lang="en-GB" dirty="0" err="1"/>
+              <a:t>umberto.michelucci@toelt.ai</a:t>
+            </a:r>
+            <a:endParaRPr lang="en-GB" dirty="0"/>
+          </a:p>
+        </p:txBody>
+      </p:sp>
     </p:spTree>
     <p:extLst>
       <p:ext uri="{BB962C8B-B14F-4D97-AF65-F5344CB8AC3E}">
@@ -15030,6 +15485,71 @@
               <a:rPr lang="en-CH" dirty="0"/>
               <a:t>An overview</a:t>
             </a:r>
+          </a:p>
+        </p:txBody>
+      </p:sp>
+      <p:sp>
+        <p:nvSpPr>
+          <p:cNvPr id="5" name="TextBox 4">
+            <a:extLst>
+              <a:ext uri="{FF2B5EF4-FFF2-40B4-BE49-F238E27FC236}">
+                <a16:creationId xmlns:a16="http://schemas.microsoft.com/office/drawing/2014/main" id="{2813EBA9-CD9E-06A0-AD3A-2C04D0B59B6D}"/>
+              </a:ext>
+            </a:extLst>
+          </p:cNvPr>
+          <p:cNvSpPr txBox="1"/>
+          <p:nvPr/>
+        </p:nvSpPr>
+        <p:spPr>
+          <a:xfrm rot="16200000">
+            <a:off x="-1847625" y="3298195"/>
+            <a:ext cx="3956859" cy="261610"/>
+          </a:xfrm>
+          <a:prstGeom prst="rect">
+            <a:avLst/>
+          </a:prstGeom>
+          <a:noFill/>
+        </p:spPr>
+        <p:txBody>
+          <a:bodyPr wrap="square">
+            <a:spAutoFit/>
+          </a:bodyPr>
+          <a:lstStyle>
+            <a:defPPr>
+              <a:defRPr lang="en-CH"/>
+            </a:defPPr>
+            <a:lvl1pPr algn="ctr">
+              <a:spcBef>
+                <a:spcPts val="0"/>
+              </a:spcBef>
+              <a:defRPr sz="1050">
+                <a:solidFill>
+                  <a:schemeClr val="bg2">
+                    <a:lumMod val="75000"/>
+                  </a:schemeClr>
+                </a:solidFill>
+                <a:latin typeface="Arial" panose="020B0604020202020204" pitchFamily="34" charset="0"/>
+              </a:defRPr>
+            </a:lvl1pPr>
+          </a:lstStyle>
+          <a:p>
+            <a:r>
+              <a:rPr lang="en-GB" dirty="0"/>
+              <a:t>© </a:t>
+            </a:r>
+            <a:r>
+              <a:rPr lang="en-GB" dirty="0" err="1"/>
+              <a:t>Dr.</a:t>
+            </a:r>
+            <a:r>
+              <a:rPr lang="en-GB" dirty="0"/>
+              <a:t> Umberto Michelucci - </a:t>
+            </a:r>
+            <a:r>
+              <a:rPr lang="en-GB" dirty="0" err="1"/>
+              <a:t>umberto.michelucci@toelt.ai</a:t>
+            </a:r>
+            <a:endParaRPr lang="en-GB" dirty="0"/>
           </a:p>
         </p:txBody>
       </p:sp>
@@ -15088,6 +15608,71 @@
               <a:rPr lang="en-CH" dirty="0"/>
               <a:t>Research Questions and Hypothesis</a:t>
             </a:r>
+          </a:p>
+        </p:txBody>
+      </p:sp>
+      <p:sp>
+        <p:nvSpPr>
+          <p:cNvPr id="3" name="TextBox 2">
+            <a:extLst>
+              <a:ext uri="{FF2B5EF4-FFF2-40B4-BE49-F238E27FC236}">
+                <a16:creationId xmlns:a16="http://schemas.microsoft.com/office/drawing/2014/main" id="{A91380AD-8603-277C-B23F-8BE22CC74391}"/>
+              </a:ext>
+            </a:extLst>
+          </p:cNvPr>
+          <p:cNvSpPr txBox="1"/>
+          <p:nvPr/>
+        </p:nvSpPr>
+        <p:spPr>
+          <a:xfrm rot="16200000">
+            <a:off x="-1847625" y="3298195"/>
+            <a:ext cx="3956859" cy="261610"/>
+          </a:xfrm>
+          <a:prstGeom prst="rect">
+            <a:avLst/>
+          </a:prstGeom>
+          <a:noFill/>
+        </p:spPr>
+        <p:txBody>
+          <a:bodyPr wrap="square">
+            <a:spAutoFit/>
+          </a:bodyPr>
+          <a:lstStyle>
+            <a:defPPr>
+              <a:defRPr lang="en-CH"/>
+            </a:defPPr>
+            <a:lvl1pPr algn="ctr">
+              <a:spcBef>
+                <a:spcPts val="0"/>
+              </a:spcBef>
+              <a:defRPr sz="1050">
+                <a:solidFill>
+                  <a:schemeClr val="bg2">
+                    <a:lumMod val="75000"/>
+                  </a:schemeClr>
+                </a:solidFill>
+                <a:latin typeface="Arial" panose="020B0604020202020204" pitchFamily="34" charset="0"/>
+              </a:defRPr>
+            </a:lvl1pPr>
+          </a:lstStyle>
+          <a:p>
+            <a:r>
+              <a:rPr lang="en-GB" dirty="0"/>
+              <a:t>© </a:t>
+            </a:r>
+            <a:r>
+              <a:rPr lang="en-GB" dirty="0" err="1"/>
+              <a:t>Dr.</a:t>
+            </a:r>
+            <a:r>
+              <a:rPr lang="en-GB" dirty="0"/>
+              <a:t> Umberto Michelucci - </a:t>
+            </a:r>
+            <a:r>
+              <a:rPr lang="en-GB" dirty="0" err="1"/>
+              <a:t>umberto.michelucci@toelt.ai</a:t>
+            </a:r>
+            <a:endParaRPr lang="en-GB" dirty="0"/>
           </a:p>
         </p:txBody>
       </p:sp>
@@ -15242,6 +15827,71 @@
           </a:p>
         </p:txBody>
       </p:sp>
+      <p:sp>
+        <p:nvSpPr>
+          <p:cNvPr id="3" name="TextBox 2">
+            <a:extLst>
+              <a:ext uri="{FF2B5EF4-FFF2-40B4-BE49-F238E27FC236}">
+                <a16:creationId xmlns:a16="http://schemas.microsoft.com/office/drawing/2014/main" id="{F76038A2-87EF-69AD-8C77-6083DF263538}"/>
+              </a:ext>
+            </a:extLst>
+          </p:cNvPr>
+          <p:cNvSpPr txBox="1"/>
+          <p:nvPr/>
+        </p:nvSpPr>
+        <p:spPr>
+          <a:xfrm rot="16200000">
+            <a:off x="-1847625" y="3298195"/>
+            <a:ext cx="3956859" cy="261610"/>
+          </a:xfrm>
+          <a:prstGeom prst="rect">
+            <a:avLst/>
+          </a:prstGeom>
+          <a:noFill/>
+        </p:spPr>
+        <p:txBody>
+          <a:bodyPr wrap="square">
+            <a:spAutoFit/>
+          </a:bodyPr>
+          <a:lstStyle>
+            <a:defPPr>
+              <a:defRPr lang="en-CH"/>
+            </a:defPPr>
+            <a:lvl1pPr algn="ctr">
+              <a:spcBef>
+                <a:spcPts val="0"/>
+              </a:spcBef>
+              <a:defRPr sz="1050">
+                <a:solidFill>
+                  <a:schemeClr val="bg2">
+                    <a:lumMod val="75000"/>
+                  </a:schemeClr>
+                </a:solidFill>
+                <a:latin typeface="Arial" panose="020B0604020202020204" pitchFamily="34" charset="0"/>
+              </a:defRPr>
+            </a:lvl1pPr>
+          </a:lstStyle>
+          <a:p>
+            <a:r>
+              <a:rPr lang="en-GB" dirty="0"/>
+              <a:t>© </a:t>
+            </a:r>
+            <a:r>
+              <a:rPr lang="en-GB" dirty="0" err="1"/>
+              <a:t>Dr.</a:t>
+            </a:r>
+            <a:r>
+              <a:rPr lang="en-GB" dirty="0"/>
+              <a:t> Umberto Michelucci - </a:t>
+            </a:r>
+            <a:r>
+              <a:rPr lang="en-GB" dirty="0" err="1"/>
+              <a:t>umberto.michelucci@toelt.ai</a:t>
+            </a:r>
+            <a:endParaRPr lang="en-GB" dirty="0"/>
+          </a:p>
+        </p:txBody>
+      </p:sp>
     </p:spTree>
     <p:extLst>
       <p:ext uri="{BB962C8B-B14F-4D97-AF65-F5344CB8AC3E}">
@@ -15437,6 +16087,71 @@
               <a:rPr lang="en-CH" sz="1200" dirty="0"/>
               <a:t>https://pediaa.com/difference-between-hypothesis-and-research-question/</a:t>
             </a:r>
+          </a:p>
+        </p:txBody>
+      </p:sp>
+      <p:sp>
+        <p:nvSpPr>
+          <p:cNvPr id="5" name="TextBox 4">
+            <a:extLst>
+              <a:ext uri="{FF2B5EF4-FFF2-40B4-BE49-F238E27FC236}">
+                <a16:creationId xmlns:a16="http://schemas.microsoft.com/office/drawing/2014/main" id="{98C173CC-079F-37F0-CD64-F5E164B4A6A9}"/>
+              </a:ext>
+            </a:extLst>
+          </p:cNvPr>
+          <p:cNvSpPr txBox="1"/>
+          <p:nvPr/>
+        </p:nvSpPr>
+        <p:spPr>
+          <a:xfrm rot="16200000">
+            <a:off x="-1847625" y="3298195"/>
+            <a:ext cx="3956859" cy="261610"/>
+          </a:xfrm>
+          <a:prstGeom prst="rect">
+            <a:avLst/>
+          </a:prstGeom>
+          <a:noFill/>
+        </p:spPr>
+        <p:txBody>
+          <a:bodyPr wrap="square">
+            <a:spAutoFit/>
+          </a:bodyPr>
+          <a:lstStyle>
+            <a:defPPr>
+              <a:defRPr lang="en-CH"/>
+            </a:defPPr>
+            <a:lvl1pPr algn="ctr">
+              <a:spcBef>
+                <a:spcPts val="0"/>
+              </a:spcBef>
+              <a:defRPr sz="1050">
+                <a:solidFill>
+                  <a:schemeClr val="bg2">
+                    <a:lumMod val="75000"/>
+                  </a:schemeClr>
+                </a:solidFill>
+                <a:latin typeface="Arial" panose="020B0604020202020204" pitchFamily="34" charset="0"/>
+              </a:defRPr>
+            </a:lvl1pPr>
+          </a:lstStyle>
+          <a:p>
+            <a:r>
+              <a:rPr lang="en-GB" dirty="0"/>
+              <a:t>© </a:t>
+            </a:r>
+            <a:r>
+              <a:rPr lang="en-GB" dirty="0" err="1"/>
+              <a:t>Dr.</a:t>
+            </a:r>
+            <a:r>
+              <a:rPr lang="en-GB" dirty="0"/>
+              <a:t> Umberto Michelucci - </a:t>
+            </a:r>
+            <a:r>
+              <a:rPr lang="en-GB" dirty="0" err="1"/>
+              <a:t>umberto.michelucci@toelt.ai</a:t>
+            </a:r>
+            <a:endParaRPr lang="en-GB" dirty="0"/>
           </a:p>
         </p:txBody>
       </p:sp>
@@ -15503,6 +16218,71 @@
           </a:p>
         </p:txBody>
       </p:sp>
+      <p:sp>
+        <p:nvSpPr>
+          <p:cNvPr id="3" name="TextBox 2">
+            <a:extLst>
+              <a:ext uri="{FF2B5EF4-FFF2-40B4-BE49-F238E27FC236}">
+                <a16:creationId xmlns:a16="http://schemas.microsoft.com/office/drawing/2014/main" id="{7E29B62A-AED4-A4BE-5EF4-F3B865B23C35}"/>
+              </a:ext>
+            </a:extLst>
+          </p:cNvPr>
+          <p:cNvSpPr txBox="1"/>
+          <p:nvPr/>
+        </p:nvSpPr>
+        <p:spPr>
+          <a:xfrm rot="16200000">
+            <a:off x="-1847625" y="3298195"/>
+            <a:ext cx="3956859" cy="261610"/>
+          </a:xfrm>
+          <a:prstGeom prst="rect">
+            <a:avLst/>
+          </a:prstGeom>
+          <a:noFill/>
+        </p:spPr>
+        <p:txBody>
+          <a:bodyPr wrap="square">
+            <a:spAutoFit/>
+          </a:bodyPr>
+          <a:lstStyle>
+            <a:defPPr>
+              <a:defRPr lang="en-CH"/>
+            </a:defPPr>
+            <a:lvl1pPr algn="ctr">
+              <a:spcBef>
+                <a:spcPts val="0"/>
+              </a:spcBef>
+              <a:defRPr sz="1050">
+                <a:solidFill>
+                  <a:schemeClr val="bg2">
+                    <a:lumMod val="75000"/>
+                  </a:schemeClr>
+                </a:solidFill>
+                <a:latin typeface="Arial" panose="020B0604020202020204" pitchFamily="34" charset="0"/>
+              </a:defRPr>
+            </a:lvl1pPr>
+          </a:lstStyle>
+          <a:p>
+            <a:r>
+              <a:rPr lang="en-GB" dirty="0"/>
+              <a:t>© </a:t>
+            </a:r>
+            <a:r>
+              <a:rPr lang="en-GB" dirty="0" err="1"/>
+              <a:t>Dr.</a:t>
+            </a:r>
+            <a:r>
+              <a:rPr lang="en-GB" dirty="0"/>
+              <a:t> Umberto Michelucci - </a:t>
+            </a:r>
+            <a:r>
+              <a:rPr lang="en-GB" dirty="0" err="1"/>
+              <a:t>umberto.michelucci@toelt.ai</a:t>
+            </a:r>
+            <a:endParaRPr lang="en-GB" dirty="0"/>
+          </a:p>
+        </p:txBody>
+      </p:sp>
     </p:spTree>
     <p:extLst>
       <p:ext uri="{BB962C8B-B14F-4D97-AF65-F5344CB8AC3E}">
@@ -15698,6 +16478,71 @@
               <a:rPr lang="en-CH" sz="1200" dirty="0"/>
               <a:t>https://pediaa.com/difference-between-hypothesis-and-research-question/</a:t>
             </a:r>
+          </a:p>
+        </p:txBody>
+      </p:sp>
+      <p:sp>
+        <p:nvSpPr>
+          <p:cNvPr id="5" name="TextBox 4">
+            <a:extLst>
+              <a:ext uri="{FF2B5EF4-FFF2-40B4-BE49-F238E27FC236}">
+                <a16:creationId xmlns:a16="http://schemas.microsoft.com/office/drawing/2014/main" id="{B6D73172-5F0E-EACF-1BF4-70E963E9EF81}"/>
+              </a:ext>
+            </a:extLst>
+          </p:cNvPr>
+          <p:cNvSpPr txBox="1"/>
+          <p:nvPr/>
+        </p:nvSpPr>
+        <p:spPr>
+          <a:xfrm rot="16200000">
+            <a:off x="-1847625" y="3298195"/>
+            <a:ext cx="3956859" cy="261610"/>
+          </a:xfrm>
+          <a:prstGeom prst="rect">
+            <a:avLst/>
+          </a:prstGeom>
+          <a:noFill/>
+        </p:spPr>
+        <p:txBody>
+          <a:bodyPr wrap="square">
+            <a:spAutoFit/>
+          </a:bodyPr>
+          <a:lstStyle>
+            <a:defPPr>
+              <a:defRPr lang="en-CH"/>
+            </a:defPPr>
+            <a:lvl1pPr algn="ctr">
+              <a:spcBef>
+                <a:spcPts val="0"/>
+              </a:spcBef>
+              <a:defRPr sz="1050">
+                <a:solidFill>
+                  <a:schemeClr val="bg2">
+                    <a:lumMod val="75000"/>
+                  </a:schemeClr>
+                </a:solidFill>
+                <a:latin typeface="Arial" panose="020B0604020202020204" pitchFamily="34" charset="0"/>
+              </a:defRPr>
+            </a:lvl1pPr>
+          </a:lstStyle>
+          <a:p>
+            <a:r>
+              <a:rPr lang="en-GB" dirty="0"/>
+              <a:t>© </a:t>
+            </a:r>
+            <a:r>
+              <a:rPr lang="en-GB" dirty="0" err="1"/>
+              <a:t>Dr.</a:t>
+            </a:r>
+            <a:r>
+              <a:rPr lang="en-GB" dirty="0"/>
+              <a:t> Umberto Michelucci - </a:t>
+            </a:r>
+            <a:r>
+              <a:rPr lang="en-GB" dirty="0" err="1"/>
+              <a:t>umberto.michelucci@toelt.ai</a:t>
+            </a:r>
+            <a:endParaRPr lang="en-GB" dirty="0"/>
           </a:p>
         </p:txBody>
       </p:sp>
@@ -15873,6 +16718,71 @@
           </a:p>
         </p:txBody>
       </p:sp>
+      <p:sp>
+        <p:nvSpPr>
+          <p:cNvPr id="4" name="TextBox 3">
+            <a:extLst>
+              <a:ext uri="{FF2B5EF4-FFF2-40B4-BE49-F238E27FC236}">
+                <a16:creationId xmlns:a16="http://schemas.microsoft.com/office/drawing/2014/main" id="{BC904617-0A8C-D562-C942-D80BD3DACC45}"/>
+              </a:ext>
+            </a:extLst>
+          </p:cNvPr>
+          <p:cNvSpPr txBox="1"/>
+          <p:nvPr/>
+        </p:nvSpPr>
+        <p:spPr>
+          <a:xfrm rot="16200000">
+            <a:off x="-1847625" y="3298195"/>
+            <a:ext cx="3956859" cy="261610"/>
+          </a:xfrm>
+          <a:prstGeom prst="rect">
+            <a:avLst/>
+          </a:prstGeom>
+          <a:noFill/>
+        </p:spPr>
+        <p:txBody>
+          <a:bodyPr wrap="square">
+            <a:spAutoFit/>
+          </a:bodyPr>
+          <a:lstStyle>
+            <a:defPPr>
+              <a:defRPr lang="en-CH"/>
+            </a:defPPr>
+            <a:lvl1pPr algn="ctr">
+              <a:spcBef>
+                <a:spcPts val="0"/>
+              </a:spcBef>
+              <a:defRPr sz="1050">
+                <a:solidFill>
+                  <a:schemeClr val="bg2">
+                    <a:lumMod val="75000"/>
+                  </a:schemeClr>
+                </a:solidFill>
+                <a:latin typeface="Arial" panose="020B0604020202020204" pitchFamily="34" charset="0"/>
+              </a:defRPr>
+            </a:lvl1pPr>
+          </a:lstStyle>
+          <a:p>
+            <a:r>
+              <a:rPr lang="en-GB" dirty="0"/>
+              <a:t>© </a:t>
+            </a:r>
+            <a:r>
+              <a:rPr lang="en-GB" dirty="0" err="1"/>
+              <a:t>Dr.</a:t>
+            </a:r>
+            <a:r>
+              <a:rPr lang="en-GB" dirty="0"/>
+              <a:t> Umberto Michelucci - </a:t>
+            </a:r>
+            <a:r>
+              <a:rPr lang="en-GB" dirty="0" err="1"/>
+              <a:t>umberto.michelucci@toelt.ai</a:t>
+            </a:r>
+            <a:endParaRPr lang="en-GB" dirty="0"/>
+          </a:p>
+        </p:txBody>
+      </p:sp>
     </p:spTree>
     <p:extLst>
       <p:ext uri="{BB962C8B-B14F-4D97-AF65-F5344CB8AC3E}">
@@ -16028,6 +16938,71 @@
               </a:rPr>
               <a:t>https://thephdhub.com/10-significant-differences-between-research-question-vs-research-hypothesis/</a:t>
             </a:r>
+          </a:p>
+        </p:txBody>
+      </p:sp>
+      <p:sp>
+        <p:nvSpPr>
+          <p:cNvPr id="4" name="TextBox 3">
+            <a:extLst>
+              <a:ext uri="{FF2B5EF4-FFF2-40B4-BE49-F238E27FC236}">
+                <a16:creationId xmlns:a16="http://schemas.microsoft.com/office/drawing/2014/main" id="{BC6E4331-24B6-876E-DFEA-2F228F6B8C1A}"/>
+              </a:ext>
+            </a:extLst>
+          </p:cNvPr>
+          <p:cNvSpPr txBox="1"/>
+          <p:nvPr/>
+        </p:nvSpPr>
+        <p:spPr>
+          <a:xfrm rot="16200000">
+            <a:off x="-1847625" y="3298195"/>
+            <a:ext cx="3956859" cy="261610"/>
+          </a:xfrm>
+          <a:prstGeom prst="rect">
+            <a:avLst/>
+          </a:prstGeom>
+          <a:noFill/>
+        </p:spPr>
+        <p:txBody>
+          <a:bodyPr wrap="square">
+            <a:spAutoFit/>
+          </a:bodyPr>
+          <a:lstStyle>
+            <a:defPPr>
+              <a:defRPr lang="en-CH"/>
+            </a:defPPr>
+            <a:lvl1pPr algn="ctr">
+              <a:spcBef>
+                <a:spcPts val="0"/>
+              </a:spcBef>
+              <a:defRPr sz="1050">
+                <a:solidFill>
+                  <a:schemeClr val="bg2">
+                    <a:lumMod val="75000"/>
+                  </a:schemeClr>
+                </a:solidFill>
+                <a:latin typeface="Arial" panose="020B0604020202020204" pitchFamily="34" charset="0"/>
+              </a:defRPr>
+            </a:lvl1pPr>
+          </a:lstStyle>
+          <a:p>
+            <a:r>
+              <a:rPr lang="en-GB" dirty="0"/>
+              <a:t>© </a:t>
+            </a:r>
+            <a:r>
+              <a:rPr lang="en-GB" dirty="0" err="1"/>
+              <a:t>Dr.</a:t>
+            </a:r>
+            <a:r>
+              <a:rPr lang="en-GB" dirty="0"/>
+              <a:t> Umberto Michelucci - </a:t>
+            </a:r>
+            <a:r>
+              <a:rPr lang="en-GB" dirty="0" err="1"/>
+              <a:t>umberto.michelucci@toelt.ai</a:t>
+            </a:r>
+            <a:endParaRPr lang="en-GB" dirty="0"/>
           </a:p>
         </p:txBody>
       </p:sp>
@@ -16178,6 +17153,71 @@
           </a:p>
         </p:txBody>
       </p:sp>
+      <p:sp>
+        <p:nvSpPr>
+          <p:cNvPr id="3" name="TextBox 2">
+            <a:extLst>
+              <a:ext uri="{FF2B5EF4-FFF2-40B4-BE49-F238E27FC236}">
+                <a16:creationId xmlns:a16="http://schemas.microsoft.com/office/drawing/2014/main" id="{7B1E1078-38BD-4BC6-3E0C-2E2BEDD0E792}"/>
+              </a:ext>
+            </a:extLst>
+          </p:cNvPr>
+          <p:cNvSpPr txBox="1"/>
+          <p:nvPr/>
+        </p:nvSpPr>
+        <p:spPr>
+          <a:xfrm rot="16200000">
+            <a:off x="-1847625" y="3298195"/>
+            <a:ext cx="3956859" cy="261610"/>
+          </a:xfrm>
+          <a:prstGeom prst="rect">
+            <a:avLst/>
+          </a:prstGeom>
+          <a:noFill/>
+        </p:spPr>
+        <p:txBody>
+          <a:bodyPr wrap="square">
+            <a:spAutoFit/>
+          </a:bodyPr>
+          <a:lstStyle>
+            <a:defPPr>
+              <a:defRPr lang="en-CH"/>
+            </a:defPPr>
+            <a:lvl1pPr algn="ctr">
+              <a:spcBef>
+                <a:spcPts val="0"/>
+              </a:spcBef>
+              <a:defRPr sz="1050">
+                <a:solidFill>
+                  <a:schemeClr val="bg2">
+                    <a:lumMod val="75000"/>
+                  </a:schemeClr>
+                </a:solidFill>
+                <a:latin typeface="Arial" panose="020B0604020202020204" pitchFamily="34" charset="0"/>
+              </a:defRPr>
+            </a:lvl1pPr>
+          </a:lstStyle>
+          <a:p>
+            <a:r>
+              <a:rPr lang="en-GB" dirty="0"/>
+              <a:t>© </a:t>
+            </a:r>
+            <a:r>
+              <a:rPr lang="en-GB" dirty="0" err="1"/>
+              <a:t>Dr.</a:t>
+            </a:r>
+            <a:r>
+              <a:rPr lang="en-GB" dirty="0"/>
+              <a:t> Umberto Michelucci - </a:t>
+            </a:r>
+            <a:r>
+              <a:rPr lang="en-GB" dirty="0" err="1"/>
+              <a:t>umberto.michelucci@toelt.ai</a:t>
+            </a:r>
+            <a:endParaRPr lang="en-GB" dirty="0"/>
+          </a:p>
+        </p:txBody>
+      </p:sp>
     </p:spTree>
     <p:extLst>
       <p:ext uri="{BB962C8B-B14F-4D97-AF65-F5344CB8AC3E}">
@@ -16255,7 +17295,7 @@
         </p:nvSpPr>
         <p:spPr>
           <a:xfrm>
-            <a:off x="72887" y="-53127"/>
+            <a:off x="706732" y="343265"/>
             <a:ext cx="4882070" cy="5529588"/>
           </a:xfrm>
         </p:spPr>
@@ -16599,6 +17639,71 @@
           </a:p>
         </p:txBody>
       </p:sp>
+      <p:sp>
+        <p:nvSpPr>
+          <p:cNvPr id="3" name="TextBox 2">
+            <a:extLst>
+              <a:ext uri="{FF2B5EF4-FFF2-40B4-BE49-F238E27FC236}">
+                <a16:creationId xmlns:a16="http://schemas.microsoft.com/office/drawing/2014/main" id="{F5A9E5AC-A56D-C1F6-3D42-818E3ACAACA7}"/>
+              </a:ext>
+            </a:extLst>
+          </p:cNvPr>
+          <p:cNvSpPr txBox="1"/>
+          <p:nvPr/>
+        </p:nvSpPr>
+        <p:spPr>
+          <a:xfrm rot="16200000">
+            <a:off x="-1847625" y="3298195"/>
+            <a:ext cx="3956859" cy="261610"/>
+          </a:xfrm>
+          <a:prstGeom prst="rect">
+            <a:avLst/>
+          </a:prstGeom>
+          <a:noFill/>
+        </p:spPr>
+        <p:txBody>
+          <a:bodyPr wrap="square">
+            <a:spAutoFit/>
+          </a:bodyPr>
+          <a:lstStyle>
+            <a:defPPr>
+              <a:defRPr lang="en-CH"/>
+            </a:defPPr>
+            <a:lvl1pPr algn="ctr">
+              <a:spcBef>
+                <a:spcPts val="0"/>
+              </a:spcBef>
+              <a:defRPr sz="1050">
+                <a:solidFill>
+                  <a:schemeClr val="bg2">
+                    <a:lumMod val="75000"/>
+                  </a:schemeClr>
+                </a:solidFill>
+                <a:latin typeface="Arial" panose="020B0604020202020204" pitchFamily="34" charset="0"/>
+              </a:defRPr>
+            </a:lvl1pPr>
+          </a:lstStyle>
+          <a:p>
+            <a:r>
+              <a:rPr lang="en-GB" dirty="0"/>
+              <a:t>© </a:t>
+            </a:r>
+            <a:r>
+              <a:rPr lang="en-GB" dirty="0" err="1"/>
+              <a:t>Dr.</a:t>
+            </a:r>
+            <a:r>
+              <a:rPr lang="en-GB" dirty="0"/>
+              <a:t> Umberto Michelucci - </a:t>
+            </a:r>
+            <a:r>
+              <a:rPr lang="en-GB" dirty="0" err="1"/>
+              <a:t>umberto.michelucci@toelt.ai</a:t>
+            </a:r>
+            <a:endParaRPr lang="en-GB" dirty="0"/>
+          </a:p>
+        </p:txBody>
+      </p:sp>
     </p:spTree>
     <p:extLst>
       <p:ext uri="{BB962C8B-B14F-4D97-AF65-F5344CB8AC3E}">
@@ -16835,6 +17940,71 @@
               <a:t>4</a:t>
             </a:fld>
             <a:endParaRPr lang="de-CH"/>
+          </a:p>
+        </p:txBody>
+      </p:sp>
+      <p:sp>
+        <p:nvSpPr>
+          <p:cNvPr id="6" name="TextBox 5">
+            <a:extLst>
+              <a:ext uri="{FF2B5EF4-FFF2-40B4-BE49-F238E27FC236}">
+                <a16:creationId xmlns:a16="http://schemas.microsoft.com/office/drawing/2014/main" id="{D3BA8CD6-756B-B275-BD7E-E18BEDEF6AB8}"/>
+              </a:ext>
+            </a:extLst>
+          </p:cNvPr>
+          <p:cNvSpPr txBox="1"/>
+          <p:nvPr/>
+        </p:nvSpPr>
+        <p:spPr>
+          <a:xfrm rot="16200000">
+            <a:off x="-1847625" y="3298195"/>
+            <a:ext cx="3956859" cy="261610"/>
+          </a:xfrm>
+          <a:prstGeom prst="rect">
+            <a:avLst/>
+          </a:prstGeom>
+          <a:noFill/>
+        </p:spPr>
+        <p:txBody>
+          <a:bodyPr wrap="square">
+            <a:spAutoFit/>
+          </a:bodyPr>
+          <a:lstStyle>
+            <a:defPPr>
+              <a:defRPr lang="en-CH"/>
+            </a:defPPr>
+            <a:lvl1pPr algn="ctr">
+              <a:spcBef>
+                <a:spcPts val="0"/>
+              </a:spcBef>
+              <a:defRPr sz="1050">
+                <a:solidFill>
+                  <a:schemeClr val="bg2">
+                    <a:lumMod val="75000"/>
+                  </a:schemeClr>
+                </a:solidFill>
+                <a:latin typeface="Arial" panose="020B0604020202020204" pitchFamily="34" charset="0"/>
+              </a:defRPr>
+            </a:lvl1pPr>
+          </a:lstStyle>
+          <a:p>
+            <a:r>
+              <a:rPr lang="en-GB" dirty="0"/>
+              <a:t>© </a:t>
+            </a:r>
+            <a:r>
+              <a:rPr lang="en-GB" dirty="0" err="1"/>
+              <a:t>Dr.</a:t>
+            </a:r>
+            <a:r>
+              <a:rPr lang="en-GB" dirty="0"/>
+              <a:t> Umberto Michelucci - </a:t>
+            </a:r>
+            <a:r>
+              <a:rPr lang="en-GB" dirty="0" err="1"/>
+              <a:t>umberto.michelucci@toelt.ai</a:t>
+            </a:r>
+            <a:endParaRPr lang="en-GB" dirty="0"/>
           </a:p>
         </p:txBody>
       </p:sp>
@@ -18279,6 +19449,71 @@
               <a:rPr lang="en-CH" dirty="0"/>
               <a:t>aved somewhere</a:t>
             </a:r>
+          </a:p>
+        </p:txBody>
+      </p:sp>
+      <p:sp>
+        <p:nvSpPr>
+          <p:cNvPr id="3" name="TextBox 2">
+            <a:extLst>
+              <a:ext uri="{FF2B5EF4-FFF2-40B4-BE49-F238E27FC236}">
+                <a16:creationId xmlns:a16="http://schemas.microsoft.com/office/drawing/2014/main" id="{F6571579-5A63-BC17-3CA3-5DC5DA739798}"/>
+              </a:ext>
+            </a:extLst>
+          </p:cNvPr>
+          <p:cNvSpPr txBox="1"/>
+          <p:nvPr/>
+        </p:nvSpPr>
+        <p:spPr>
+          <a:xfrm rot="16200000">
+            <a:off x="-1847625" y="3298195"/>
+            <a:ext cx="3956859" cy="261610"/>
+          </a:xfrm>
+          <a:prstGeom prst="rect">
+            <a:avLst/>
+          </a:prstGeom>
+          <a:noFill/>
+        </p:spPr>
+        <p:txBody>
+          <a:bodyPr wrap="square">
+            <a:spAutoFit/>
+          </a:bodyPr>
+          <a:lstStyle>
+            <a:defPPr>
+              <a:defRPr lang="en-CH"/>
+            </a:defPPr>
+            <a:lvl1pPr algn="ctr">
+              <a:spcBef>
+                <a:spcPts val="0"/>
+              </a:spcBef>
+              <a:defRPr sz="1050">
+                <a:solidFill>
+                  <a:schemeClr val="bg2">
+                    <a:lumMod val="75000"/>
+                  </a:schemeClr>
+                </a:solidFill>
+                <a:latin typeface="Arial" panose="020B0604020202020204" pitchFamily="34" charset="0"/>
+              </a:defRPr>
+            </a:lvl1pPr>
+          </a:lstStyle>
+          <a:p>
+            <a:r>
+              <a:rPr lang="en-GB" dirty="0"/>
+              <a:t>© </a:t>
+            </a:r>
+            <a:r>
+              <a:rPr lang="en-GB" dirty="0" err="1"/>
+              <a:t>Dr.</a:t>
+            </a:r>
+            <a:r>
+              <a:rPr lang="en-GB" dirty="0"/>
+              <a:t> Umberto Michelucci - </a:t>
+            </a:r>
+            <a:r>
+              <a:rPr lang="en-GB" dirty="0" err="1"/>
+              <a:t>umberto.michelucci@toelt.ai</a:t>
+            </a:r>
+            <a:endParaRPr lang="en-GB" dirty="0"/>
           </a:p>
         </p:txBody>
       </p:sp>
@@ -19594,6 +20829,71 @@
           </a:p>
         </p:txBody>
       </p:sp>
+      <p:sp>
+        <p:nvSpPr>
+          <p:cNvPr id="3" name="TextBox 2">
+            <a:extLst>
+              <a:ext uri="{FF2B5EF4-FFF2-40B4-BE49-F238E27FC236}">
+                <a16:creationId xmlns:a16="http://schemas.microsoft.com/office/drawing/2014/main" id="{3D0422C9-145F-9A29-C1D8-408B4FB354EE}"/>
+              </a:ext>
+            </a:extLst>
+          </p:cNvPr>
+          <p:cNvSpPr txBox="1"/>
+          <p:nvPr/>
+        </p:nvSpPr>
+        <p:spPr>
+          <a:xfrm rot="16200000">
+            <a:off x="-1847625" y="3298195"/>
+            <a:ext cx="3956859" cy="261610"/>
+          </a:xfrm>
+          <a:prstGeom prst="rect">
+            <a:avLst/>
+          </a:prstGeom>
+          <a:noFill/>
+        </p:spPr>
+        <p:txBody>
+          <a:bodyPr wrap="square">
+            <a:spAutoFit/>
+          </a:bodyPr>
+          <a:lstStyle>
+            <a:defPPr>
+              <a:defRPr lang="en-CH"/>
+            </a:defPPr>
+            <a:lvl1pPr algn="ctr">
+              <a:spcBef>
+                <a:spcPts val="0"/>
+              </a:spcBef>
+              <a:defRPr sz="1050">
+                <a:solidFill>
+                  <a:schemeClr val="bg2">
+                    <a:lumMod val="75000"/>
+                  </a:schemeClr>
+                </a:solidFill>
+                <a:latin typeface="Arial" panose="020B0604020202020204" pitchFamily="34" charset="0"/>
+              </a:defRPr>
+            </a:lvl1pPr>
+          </a:lstStyle>
+          <a:p>
+            <a:r>
+              <a:rPr lang="en-GB" dirty="0"/>
+              <a:t>© </a:t>
+            </a:r>
+            <a:r>
+              <a:rPr lang="en-GB" dirty="0" err="1"/>
+              <a:t>Dr.</a:t>
+            </a:r>
+            <a:r>
+              <a:rPr lang="en-GB" dirty="0"/>
+              <a:t> Umberto Michelucci - </a:t>
+            </a:r>
+            <a:r>
+              <a:rPr lang="en-GB" dirty="0" err="1"/>
+              <a:t>umberto.michelucci@toelt.ai</a:t>
+            </a:r>
+            <a:endParaRPr lang="en-GB" dirty="0"/>
+          </a:p>
+        </p:txBody>
+      </p:sp>
     </p:spTree>
     <p:extLst>
       <p:ext uri="{BB962C8B-B14F-4D97-AF65-F5344CB8AC3E}">
@@ -19649,6 +20949,71 @@
               <a:rPr lang="en-CH" dirty="0"/>
               <a:t>Open Science and Reproducibility</a:t>
             </a:r>
+          </a:p>
+        </p:txBody>
+      </p:sp>
+      <p:sp>
+        <p:nvSpPr>
+          <p:cNvPr id="3" name="TextBox 2">
+            <a:extLst>
+              <a:ext uri="{FF2B5EF4-FFF2-40B4-BE49-F238E27FC236}">
+                <a16:creationId xmlns:a16="http://schemas.microsoft.com/office/drawing/2014/main" id="{A7855A29-22A5-6B2C-D708-72E1ADB093E2}"/>
+              </a:ext>
+            </a:extLst>
+          </p:cNvPr>
+          <p:cNvSpPr txBox="1"/>
+          <p:nvPr/>
+        </p:nvSpPr>
+        <p:spPr>
+          <a:xfrm rot="16200000">
+            <a:off x="-1847625" y="3298195"/>
+            <a:ext cx="3956859" cy="261610"/>
+          </a:xfrm>
+          <a:prstGeom prst="rect">
+            <a:avLst/>
+          </a:prstGeom>
+          <a:noFill/>
+        </p:spPr>
+        <p:txBody>
+          <a:bodyPr wrap="square">
+            <a:spAutoFit/>
+          </a:bodyPr>
+          <a:lstStyle>
+            <a:defPPr>
+              <a:defRPr lang="en-CH"/>
+            </a:defPPr>
+            <a:lvl1pPr algn="ctr">
+              <a:spcBef>
+                <a:spcPts val="0"/>
+              </a:spcBef>
+              <a:defRPr sz="1050">
+                <a:solidFill>
+                  <a:schemeClr val="bg2">
+                    <a:lumMod val="75000"/>
+                  </a:schemeClr>
+                </a:solidFill>
+                <a:latin typeface="Arial" panose="020B0604020202020204" pitchFamily="34" charset="0"/>
+              </a:defRPr>
+            </a:lvl1pPr>
+          </a:lstStyle>
+          <a:p>
+            <a:r>
+              <a:rPr lang="en-GB" dirty="0"/>
+              <a:t>© </a:t>
+            </a:r>
+            <a:r>
+              <a:rPr lang="en-GB" dirty="0" err="1"/>
+              <a:t>Dr.</a:t>
+            </a:r>
+            <a:r>
+              <a:rPr lang="en-GB" dirty="0"/>
+              <a:t> Umberto Michelucci - </a:t>
+            </a:r>
+            <a:r>
+              <a:rPr lang="en-GB" dirty="0" err="1"/>
+              <a:t>umberto.michelucci@toelt.ai</a:t>
+            </a:r>
+            <a:endParaRPr lang="en-GB" dirty="0"/>
           </a:p>
         </p:txBody>
       </p:sp>
@@ -19841,6 +21206,71 @@
               <a:latin typeface="Arial" panose="020B0604020202020204" pitchFamily="34" charset="0"/>
               <a:cs typeface="Arial" panose="020B0604020202020204" pitchFamily="34" charset="0"/>
             </a:endParaRPr>
+          </a:p>
+        </p:txBody>
+      </p:sp>
+      <p:sp>
+        <p:nvSpPr>
+          <p:cNvPr id="4" name="TextBox 3">
+            <a:extLst>
+              <a:ext uri="{FF2B5EF4-FFF2-40B4-BE49-F238E27FC236}">
+                <a16:creationId xmlns:a16="http://schemas.microsoft.com/office/drawing/2014/main" id="{9DC55385-5372-8BB3-D645-804145A50966}"/>
+              </a:ext>
+            </a:extLst>
+          </p:cNvPr>
+          <p:cNvSpPr txBox="1"/>
+          <p:nvPr/>
+        </p:nvSpPr>
+        <p:spPr>
+          <a:xfrm rot="16200000">
+            <a:off x="-1847625" y="3298195"/>
+            <a:ext cx="3956859" cy="261610"/>
+          </a:xfrm>
+          <a:prstGeom prst="rect">
+            <a:avLst/>
+          </a:prstGeom>
+          <a:noFill/>
+        </p:spPr>
+        <p:txBody>
+          <a:bodyPr wrap="square">
+            <a:spAutoFit/>
+          </a:bodyPr>
+          <a:lstStyle>
+            <a:defPPr>
+              <a:defRPr lang="en-CH"/>
+            </a:defPPr>
+            <a:lvl1pPr algn="ctr">
+              <a:spcBef>
+                <a:spcPts val="0"/>
+              </a:spcBef>
+              <a:defRPr sz="1050">
+                <a:solidFill>
+                  <a:schemeClr val="bg2">
+                    <a:lumMod val="75000"/>
+                  </a:schemeClr>
+                </a:solidFill>
+                <a:latin typeface="Arial" panose="020B0604020202020204" pitchFamily="34" charset="0"/>
+              </a:defRPr>
+            </a:lvl1pPr>
+          </a:lstStyle>
+          <a:p>
+            <a:r>
+              <a:rPr lang="en-GB" dirty="0"/>
+              <a:t>© </a:t>
+            </a:r>
+            <a:r>
+              <a:rPr lang="en-GB" dirty="0" err="1"/>
+              <a:t>Dr.</a:t>
+            </a:r>
+            <a:r>
+              <a:rPr lang="en-GB" dirty="0"/>
+              <a:t> Umberto Michelucci - </a:t>
+            </a:r>
+            <a:r>
+              <a:rPr lang="en-GB" dirty="0" err="1"/>
+              <a:t>umberto.michelucci@toelt.ai</a:t>
+            </a:r>
+            <a:endParaRPr lang="en-GB" dirty="0"/>
           </a:p>
         </p:txBody>
       </p:sp>
@@ -20139,6 +21569,71 @@
               </a:rPr>
               <a:t>https://openscience-summerschool.ch/assets/downloads/lectures/osss-2022-presentation-furrer.pdf</a:t>
             </a:r>
+          </a:p>
+        </p:txBody>
+      </p:sp>
+      <p:sp>
+        <p:nvSpPr>
+          <p:cNvPr id="2" name="TextBox 1">
+            <a:extLst>
+              <a:ext uri="{FF2B5EF4-FFF2-40B4-BE49-F238E27FC236}">
+                <a16:creationId xmlns:a16="http://schemas.microsoft.com/office/drawing/2014/main" id="{A57DF59A-0C3B-413E-1764-D4803959DB4D}"/>
+              </a:ext>
+            </a:extLst>
+          </p:cNvPr>
+          <p:cNvSpPr txBox="1"/>
+          <p:nvPr/>
+        </p:nvSpPr>
+        <p:spPr>
+          <a:xfrm rot="16200000">
+            <a:off x="-1847625" y="3298195"/>
+            <a:ext cx="3956859" cy="261610"/>
+          </a:xfrm>
+          <a:prstGeom prst="rect">
+            <a:avLst/>
+          </a:prstGeom>
+          <a:noFill/>
+        </p:spPr>
+        <p:txBody>
+          <a:bodyPr wrap="square">
+            <a:spAutoFit/>
+          </a:bodyPr>
+          <a:lstStyle>
+            <a:defPPr>
+              <a:defRPr lang="en-CH"/>
+            </a:defPPr>
+            <a:lvl1pPr algn="ctr">
+              <a:spcBef>
+                <a:spcPts val="0"/>
+              </a:spcBef>
+              <a:defRPr sz="1050">
+                <a:solidFill>
+                  <a:schemeClr val="bg2">
+                    <a:lumMod val="75000"/>
+                  </a:schemeClr>
+                </a:solidFill>
+                <a:latin typeface="Arial" panose="020B0604020202020204" pitchFamily="34" charset="0"/>
+              </a:defRPr>
+            </a:lvl1pPr>
+          </a:lstStyle>
+          <a:p>
+            <a:r>
+              <a:rPr lang="en-GB" dirty="0"/>
+              <a:t>© </a:t>
+            </a:r>
+            <a:r>
+              <a:rPr lang="en-GB" dirty="0" err="1"/>
+              <a:t>Dr.</a:t>
+            </a:r>
+            <a:r>
+              <a:rPr lang="en-GB" dirty="0"/>
+              <a:t> Umberto Michelucci - </a:t>
+            </a:r>
+            <a:r>
+              <a:rPr lang="en-GB" dirty="0" err="1"/>
+              <a:t>umberto.michelucci@toelt.ai</a:t>
+            </a:r>
+            <a:endParaRPr lang="en-GB" dirty="0"/>
           </a:p>
         </p:txBody>
       </p:sp>
@@ -20481,6 +21976,15 @@
 </file>
 
 <file path=customXml/item2.xml><?xml version="1.0" encoding="utf-8"?>
+<?mso-contentType ?>
+<FormTemplates xmlns="http://schemas.microsoft.com/sharepoint/v3/contenttype/forms">
+  <Display>DocumentLibraryForm</Display>
+  <Edit>DocumentLibraryForm</Edit>
+  <New>DocumentLibraryForm</New>
+</FormTemplates>
+</file>
+
+<file path=customXml/item3.xml><?xml version="1.0" encoding="utf-8"?>
 <ct:contentTypeSchema xmlns:ct="http://schemas.microsoft.com/office/2006/metadata/contentType" xmlns:ma="http://schemas.microsoft.com/office/2006/metadata/properties/metaAttributes" ct:_="" ma:_="" ma:contentTypeName="Document" ma:contentTypeID="0x010100E76804BE4C5D9344BD5C243AC68B4645" ma:contentTypeVersion="12" ma:contentTypeDescription="Create a new document." ma:contentTypeScope="" ma:versionID="f9e9de88fc41277e87ce0a395a0c6c11">
   <xsd:schema xmlns:xsd="http://www.w3.org/2001/XMLSchema" xmlns:xs="http://www.w3.org/2001/XMLSchema" xmlns:p="http://schemas.microsoft.com/office/2006/metadata/properties" xmlns:ns2="f37be156-3e96-457c-bb1c-57abbadc2699" xmlns:ns3="2b449abb-1516-466b-bcd8-68aed478ba52" targetNamespace="http://schemas.microsoft.com/office/2006/metadata/properties" ma:root="true" ma:fieldsID="aa3e058f0bf8ce5b44ff4228d65ce9b9" ns2:_="" ns3:_="">
     <xsd:import namespace="f37be156-3e96-457c-bb1c-57abbadc2699"/>
@@ -20691,15 +22195,6 @@
 </ct:contentTypeSchema>
 </file>
 
-<file path=customXml/item3.xml><?xml version="1.0" encoding="utf-8"?>
-<?mso-contentType ?>
-<FormTemplates xmlns="http://schemas.microsoft.com/sharepoint/v3/contenttype/forms">
-  <Display>DocumentLibraryForm</Display>
-  <Edit>DocumentLibraryForm</Edit>
-  <New>DocumentLibraryForm</New>
-</FormTemplates>
-</file>
-
 <file path=customXml/itemProps1.xml><?xml version="1.0" encoding="utf-8"?>
 <ds:datastoreItem xmlns:ds="http://schemas.openxmlformats.org/officeDocument/2006/customXml" ds:itemID="{9EF72873-8A3E-49A6-889C-6AD0CD43F114}">
   <ds:schemaRefs>
@@ -20718,6 +22213,14 @@
 </file>
 
 <file path=customXml/itemProps2.xml><?xml version="1.0" encoding="utf-8"?>
+<ds:datastoreItem xmlns:ds="http://schemas.openxmlformats.org/officeDocument/2006/customXml" ds:itemID="{337F9423-E869-4B99-85DC-66DF21D45F74}">
+  <ds:schemaRefs>
+    <ds:schemaRef ds:uri="http://schemas.microsoft.com/sharepoint/v3/contenttype/forms"/>
+  </ds:schemaRefs>
+</ds:datastoreItem>
+</file>
+
+<file path=customXml/itemProps3.xml><?xml version="1.0" encoding="utf-8"?>
 <ds:datastoreItem xmlns:ds="http://schemas.openxmlformats.org/officeDocument/2006/customXml" ds:itemID="{408703D2-30DD-41D3-9506-5D3F006847F2}">
   <ds:schemaRefs>
     <ds:schemaRef ds:uri="http://schemas.microsoft.com/office/2006/metadata/contentType"/>
@@ -20734,12 +22237,4 @@
     <ds:schemaRef ds:uri="http://schemas.microsoft.com/internal/obd"/>
   </ds:schemaRefs>
 </ds:datastoreItem>
-</file>
-
-<file path=customXml/itemProps3.xml><?xml version="1.0" encoding="utf-8"?>
-<ds:datastoreItem xmlns:ds="http://schemas.openxmlformats.org/officeDocument/2006/customXml" ds:itemID="{337F9423-E869-4B99-85DC-66DF21D45F74}">
-  <ds:schemaRefs>
-    <ds:schemaRef ds:uri="http://schemas.microsoft.com/sharepoint/v3/contenttype/forms"/>
-  </ds:schemaRefs>
-</ds:datastoreItem>
 </file>